--- a/Anteproyectos2021/ArchivosEntregables/Abril/Exposicion_tesis_avances1_2_3_14042021_2.pptx
+++ b/Anteproyectos2021/ArchivosEntregables/Abril/Exposicion_tesis_avances1_2_3_14042021_2.pptx
@@ -6431,7 +6431,15 @@
           <a:pPr algn="just"/>
           <a:r>
             <a:rPr lang="es-CO" dirty="0" smtClean="0"/>
-            <a:t>Desarrollar, con base en técnicas de procesamientos de imágenes actuales, un algoritmo para identificar y caracterizar patrones de fallos, daños o deterioro en las termografías tomadas a las instalaciones de paneles fotovoltaicos entregando un análisis preliminar de las imágenes termográficas. </a:t>
+            <a:t>Desarrollar, con base en técnicas de procesamientos de </a:t>
+          </a:r>
+          <a:r>
+            <a:rPr lang="es-CO" dirty="0" smtClean="0"/>
+            <a:t>imágenes, </a:t>
+          </a:r>
+          <a:r>
+            <a:rPr lang="es-CO" dirty="0" smtClean="0"/>
+            <a:t>un algoritmo para identificar y caracterizar patrones de fallos, daños o deterioro en las termografías tomadas a las instalaciones de paneles fotovoltaicos entregando un análisis preliminar de las imágenes termográficas. </a:t>
           </a:r>
           <a:endParaRPr lang="es-ES" dirty="0"/>
         </a:p>
@@ -9539,7 +9547,15 @@
           </a:pPr>
           <a:r>
             <a:rPr lang="es-CO" sz="2200" kern="1200" dirty="0" smtClean="0"/>
-            <a:t>Desarrollar, con base en técnicas de procesamientos de imágenes actuales, un algoritmo para identificar y caracterizar patrones de fallos, daños o deterioro en las termografías tomadas a las instalaciones de paneles fotovoltaicos entregando un análisis preliminar de las imágenes termográficas. </a:t>
+            <a:t>Desarrollar, con base en técnicas de procesamientos de </a:t>
+          </a:r>
+          <a:r>
+            <a:rPr lang="es-CO" sz="2200" kern="1200" dirty="0" smtClean="0"/>
+            <a:t>imágenes, </a:t>
+          </a:r>
+          <a:r>
+            <a:rPr lang="es-CO" sz="2200" kern="1200" dirty="0" smtClean="0"/>
+            <a:t>un algoritmo para identificar y caracterizar patrones de fallos, daños o deterioro en las termografías tomadas a las instalaciones de paneles fotovoltaicos entregando un análisis preliminar de las imágenes termográficas. </a:t>
           </a:r>
           <a:endParaRPr lang="es-ES" sz="2200" kern="1200" dirty="0"/>
         </a:p>
@@ -25607,6 +25623,13 @@
   <p:clrMapOvr>
     <a:masterClrMapping/>
   </p:clrMapOvr>
+  <p:timing>
+    <p:tnLst>
+      <p:par>
+        <p:cTn id="1" dur="indefinite" restart="never" nodeType="tmRoot"/>
+      </p:par>
+    </p:tnLst>
+  </p:timing>
 </p:sld>
 </file>
 
@@ -26421,7 +26444,7 @@
           <p:nvPr>
             <p:extLst>
               <p:ext uri="{D42A27DB-BD31-4B8C-83A1-F6EECF244321}">
-                <p14:modId xmlns:p14="http://schemas.microsoft.com/office/powerpoint/2010/main" val="1678150078"/>
+                <p14:modId xmlns:p14="http://schemas.microsoft.com/office/powerpoint/2010/main" val="207319960"/>
               </p:ext>
             </p:extLst>
           </p:nvPr>
@@ -27458,6 +27481,12 @@
 </file>
 
 <file path=customXml/item1.xml><?xml version="1.0" encoding="utf-8"?>
+<p:properties xmlns:p="http://schemas.microsoft.com/office/2006/metadata/properties" xmlns:xsi="http://www.w3.org/2001/XMLSchema-instance" xmlns:pc="http://schemas.microsoft.com/office/infopath/2007/PartnerControls">
+  <documentManagement/>
+</p:properties>
+</file>
+
+<file path=customXml/item2.xml><?xml version="1.0" encoding="utf-8"?>
 <ct:contentTypeSchema xmlns:ct="http://schemas.microsoft.com/office/2006/metadata/contentType" xmlns:ma="http://schemas.microsoft.com/office/2006/metadata/properties/metaAttributes" ct:_="" ma:_="" ma:contentTypeName="Documento" ma:contentTypeID="0x0101003368A09EF4795B4D8D42C88900235298" ma:contentTypeVersion="0" ma:contentTypeDescription="Crear nuevo documento." ma:contentTypeScope="" ma:versionID="9884ae04ee6740a09aac08c2ec6aecf2">
   <xsd:schema xmlns:xsd="http://www.w3.org/2001/XMLSchema" xmlns:xs="http://www.w3.org/2001/XMLSchema" xmlns:p="http://schemas.microsoft.com/office/2006/metadata/properties" targetNamespace="http://schemas.microsoft.com/office/2006/metadata/properties" ma:root="true" ma:fieldsID="986dcc55fc7de7b749655be5365d3efe">
     <xsd:element name="properties">
@@ -27571,12 +27600,6 @@
 </ct:contentTypeSchema>
 </file>
 
-<file path=customXml/item2.xml><?xml version="1.0" encoding="utf-8"?>
-<p:properties xmlns:p="http://schemas.microsoft.com/office/2006/metadata/properties" xmlns:xsi="http://www.w3.org/2001/XMLSchema-instance" xmlns:pc="http://schemas.microsoft.com/office/infopath/2007/PartnerControls">
-  <documentManagement/>
-</p:properties>
-</file>
-
 <file path=customXml/item3.xml><?xml version="1.0" encoding="utf-8"?>
 <?mso-contentType ?>
 <FormTemplates xmlns="http://schemas.microsoft.com/sharepoint/v3/contenttype/forms">
@@ -27587,6 +27610,21 @@
 </file>
 
 <file path=customXml/itemProps1.xml><?xml version="1.0" encoding="utf-8"?>
+<ds:datastoreItem xmlns:ds="http://schemas.openxmlformats.org/officeDocument/2006/customXml" ds:itemID="{46BD7D53-8870-4901-9C75-3567A7CBAE5E}">
+  <ds:schemaRefs>
+    <ds:schemaRef ds:uri="http://schemas.microsoft.com/office/2006/metadata/properties"/>
+    <ds:schemaRef ds:uri="http://schemas.openxmlformats.org/package/2006/metadata/core-properties"/>
+    <ds:schemaRef ds:uri="http://www.w3.org/XML/1998/namespace"/>
+    <ds:schemaRef ds:uri="http://purl.org/dc/dcmitype/"/>
+    <ds:schemaRef ds:uri="http://schemas.microsoft.com/office/2006/documentManagement/types"/>
+    <ds:schemaRef ds:uri="http://schemas.microsoft.com/office/infopath/2007/PartnerControls"/>
+    <ds:schemaRef ds:uri="http://purl.org/dc/terms/"/>
+    <ds:schemaRef ds:uri="http://purl.org/dc/elements/1.1/"/>
+  </ds:schemaRefs>
+</ds:datastoreItem>
+</file>
+
+<file path=customXml/itemProps2.xml><?xml version="1.0" encoding="utf-8"?>
 <ds:datastoreItem xmlns:ds="http://schemas.openxmlformats.org/officeDocument/2006/customXml" ds:itemID="{31763BEB-9615-4A27-A42C-260763FAF135}">
   <ds:schemaRefs>
     <ds:schemaRef ds:uri="http://schemas.microsoft.com/office/2006/metadata/contentType"/>
@@ -27602,21 +27640,6 @@
 </ds:datastoreItem>
 </file>
 
-<file path=customXml/itemProps2.xml><?xml version="1.0" encoding="utf-8"?>
-<ds:datastoreItem xmlns:ds="http://schemas.openxmlformats.org/officeDocument/2006/customXml" ds:itemID="{46BD7D53-8870-4901-9C75-3567A7CBAE5E}">
-  <ds:schemaRefs>
-    <ds:schemaRef ds:uri="http://schemas.microsoft.com/office/2006/metadata/properties"/>
-    <ds:schemaRef ds:uri="http://schemas.openxmlformats.org/package/2006/metadata/core-properties"/>
-    <ds:schemaRef ds:uri="http://www.w3.org/XML/1998/namespace"/>
-    <ds:schemaRef ds:uri="http://purl.org/dc/dcmitype/"/>
-    <ds:schemaRef ds:uri="http://schemas.microsoft.com/office/2006/documentManagement/types"/>
-    <ds:schemaRef ds:uri="http://schemas.microsoft.com/office/infopath/2007/PartnerControls"/>
-    <ds:schemaRef ds:uri="http://purl.org/dc/terms/"/>
-    <ds:schemaRef ds:uri="http://purl.org/dc/elements/1.1/"/>
-  </ds:schemaRefs>
-</ds:datastoreItem>
-</file>
-
 <file path=customXml/itemProps3.xml><?xml version="1.0" encoding="utf-8"?>
 <ds:datastoreItem xmlns:ds="http://schemas.openxmlformats.org/officeDocument/2006/customXml" ds:itemID="{B04D8436-9529-41CE-BBCE-4D604027359A}">
   <ds:schemaRefs>
